--- a/Lectures/py_lec_6.pptx
+++ b/Lectures/py_lec_6.pptx
@@ -1858,7 +1858,7 @@
           <a:blip r:embed="rId2">
             <a:lum/>
           </a:blip>
-          <a:srcRect l="0" t="-39759" r="-28057" b="0"/>
+          <a:srcRect l="0" t="-39759" r="-28056" b="0"/>
           <a:stretch/>
         </a:blipFill>
       </p:bgPr>
@@ -2248,7 +2248,7 @@
           <a:blip r:embed="rId2">
             <a:lum/>
           </a:blip>
-          <a:srcRect l="0" t="-14529" r="-35897" b="0"/>
+          <a:srcRect l="0" t="-14529" r="-35896" b="0"/>
           <a:stretch/>
         </a:blipFill>
       </p:bgPr>
@@ -7190,7 +7190,7 @@
           <a:blip r:embed="rId2">
             <a:lum/>
           </a:blip>
-          <a:srcRect l="0" t="0" r="-14529" b="0"/>
+          <a:srcRect l="0" t="0" r="-14528" b="0"/>
           <a:stretch/>
         </a:blipFill>
       </p:bgPr>
@@ -7328,7 +7328,7 @@
           <a:blip r:embed="rId2">
             <a:lum/>
           </a:blip>
-          <a:srcRect l="0" t="0" r="-14529" b="0"/>
+          <a:srcRect l="0" t="0" r="-14528" b="0"/>
           <a:stretch/>
         </a:blipFill>
       </p:bgPr>
@@ -8314,7 +8314,7 @@
           <a:blip r:embed="rId29">
             <a:lum/>
           </a:blip>
-          <a:srcRect l="0" t="0" r="-14529" b="0"/>
+          <a:srcRect l="0" t="0" r="-14528" b="0"/>
           <a:stretch/>
         </a:blipFill>
       </p:bgPr>
@@ -19663,8 +19663,8 @@
         </p:nvSpPr>
         <p:spPr bwMode="auto">
           <a:xfrm>
-            <a:off x="322228" y="624988"/>
-            <a:ext cx="11496878" cy="6093976"/>
+            <a:off x="322227" y="624987"/>
+            <a:ext cx="11496949" cy="6035076"/>
           </a:xfrm>
           <a:prstGeom prst="rect">
             <a:avLst/>
@@ -20017,7 +20017,7 @@
                 </a:solidFill>
                 <a:latin typeface="Calibri"/>
               </a:rPr>
-              <a:t>__repl__ ; </a:t>
+              <a:t>__repr__ ; </a:t>
             </a:r>
             <a:r>
               <a:rPr lang="ru-RU" sz="2000">
